--- a/6_End/另请高明不谦虚.pptx
+++ b/6_End/另请高明不谦虚.pptx
@@ -10,7 +10,8 @@
     <p:sldId id="259" r:id="rId4"/>
     <p:sldId id="260" r:id="rId5"/>
     <p:sldId id="261" r:id="rId6"/>
-    <p:sldId id="258" r:id="rId7"/>
+    <p:sldId id="262" r:id="rId7"/>
+    <p:sldId id="258" r:id="rId8"/>
   </p:sldIdLst>
   <p:sldSz cx="12192000" cy="6858000"/>
   <p:notesSz cx="6858000" cy="9144000"/>
@@ -5838,6 +5839,40 @@
           <a:bodyPr/>
           <a:lstStyle/>
           <a:p>
+            <a:r>
+              <a:rPr lang="zh-CN" altLang="en-US" dirty="0" smtClean="0"/>
+              <a:t>构造阶段一方面是根据体系结构设计和详细设计填上各个模块的代码，另一方面对详细设计进行了重构。</a:t>
+            </a:r>
+            <a:endParaRPr lang="en-US" altLang="zh-CN" dirty="0" smtClean="0"/>
+          </a:p>
+          <a:p>
+            <a:r>
+              <a:rPr lang="zh-CN" altLang="en-US" dirty="0" smtClean="0"/>
+              <a:t>构造是分层分工的，袁楚宏和张鑫龙负责界面层和数据层，袁阳阳和周小帆负责逻辑层。</a:t>
+            </a:r>
+            <a:endParaRPr lang="en-US" altLang="zh-CN" dirty="0" smtClean="0"/>
+          </a:p>
+          <a:p>
+            <a:r>
+              <a:rPr lang="zh-CN" altLang="en-US" dirty="0" smtClean="0"/>
+              <a:t>构造阶段的一个问题是代码注释太少。一开始写体系结构时没有写注释，完全靠类名、变量名和方法名来判断方法的参数和用途。后来由于在写代码过程中发现由于注释太少，各人之间的协作很难进行，于是就在接口中添加</a:t>
+            </a:r>
+            <a:r>
+              <a:rPr lang="en-US" altLang="zh-CN" dirty="0" smtClean="0"/>
+              <a:t>Javadoc</a:t>
+            </a:r>
+            <a:r>
+              <a:rPr lang="zh-CN" altLang="en-US" dirty="0" smtClean="0"/>
+              <a:t>，在之后新增加的接口中也添加了</a:t>
+            </a:r>
+            <a:r>
+              <a:rPr lang="en-US" altLang="zh-CN" dirty="0" smtClean="0"/>
+              <a:t>Javadoc</a:t>
+            </a:r>
+            <a:r>
+              <a:rPr lang="zh-CN" altLang="en-US" dirty="0" smtClean="0"/>
+              <a:t>，大大方便了组内协作。</a:t>
+            </a:r>
             <a:endParaRPr lang="zh-CN" altLang="en-US" dirty="0"/>
           </a:p>
         </p:txBody>
@@ -5874,6 +5909,100 @@
       </p:grpSpPr>
       <p:sp>
         <p:nvSpPr>
+          <p:cNvPr id="2" name="标题 1"/>
+          <p:cNvSpPr>
+            <a:spLocks noGrp="1"/>
+          </p:cNvSpPr>
+          <p:nvPr>
+            <p:ph type="title"/>
+          </p:nvPr>
+        </p:nvSpPr>
+        <p:spPr/>
+        <p:txBody>
+          <a:bodyPr/>
+          <a:lstStyle/>
+          <a:p>
+            <a:r>
+              <a:rPr lang="zh-CN" altLang="en-US" dirty="0" smtClean="0"/>
+              <a:t>测试</a:t>
+            </a:r>
+            <a:endParaRPr lang="zh-CN" altLang="en-US" dirty="0"/>
+          </a:p>
+        </p:txBody>
+      </p:sp>
+      <p:sp>
+        <p:nvSpPr>
+          <p:cNvPr id="3" name="内容占位符 2"/>
+          <p:cNvSpPr>
+            <a:spLocks noGrp="1"/>
+          </p:cNvSpPr>
+          <p:nvPr>
+            <p:ph idx="1"/>
+          </p:nvPr>
+        </p:nvSpPr>
+        <p:spPr/>
+        <p:txBody>
+          <a:bodyPr/>
+          <a:lstStyle/>
+          <a:p>
+            <a:r>
+              <a:rPr lang="zh-CN" altLang="en-US" dirty="0"/>
+              <a:t>一</a:t>
+            </a:r>
+            <a:r>
+              <a:rPr lang="zh-CN" altLang="en-US" dirty="0" smtClean="0"/>
+              <a:t>开始不理解单元测试，把驱动和桩都删了。到集成测试差不多了的时候又重新做了单元测试，选择了约五十个有代表性的或者比较复杂的方法进行了单元测试。</a:t>
+            </a:r>
+            <a:endParaRPr lang="en-US" altLang="zh-CN" dirty="0" smtClean="0"/>
+          </a:p>
+          <a:p>
+            <a:r>
+              <a:rPr lang="zh-CN" altLang="en-US" dirty="0" smtClean="0"/>
+              <a:t>持续集成不理想，各层推进速度不统一，最后各层都剩的不多的时候开始集成，基本是大爆炸。</a:t>
+            </a:r>
+            <a:endParaRPr lang="en-US" altLang="zh-CN" dirty="0" smtClean="0"/>
+          </a:p>
+          <a:p>
+            <a:r>
+              <a:rPr lang="zh-CN" altLang="en-US" dirty="0" smtClean="0"/>
+              <a:t>功能测试比较有效，发现了很多细节问题。</a:t>
+            </a:r>
+            <a:endParaRPr lang="zh-CN" altLang="en-US" dirty="0"/>
+          </a:p>
+        </p:txBody>
+      </p:sp>
+    </p:spTree>
+    <p:extLst>
+      <p:ext uri="{BB962C8B-B14F-4D97-AF65-F5344CB8AC3E}">
+        <p14:creationId xmlns:p14="http://schemas.microsoft.com/office/powerpoint/2010/main" val="3812088501"/>
+      </p:ext>
+    </p:extLst>
+  </p:cSld>
+  <p:clrMapOvr>
+    <a:masterClrMapping/>
+  </p:clrMapOvr>
+</p:sld>
+</file>
+
+<file path=ppt/slides/slide7.xml><?xml version="1.0" encoding="utf-8"?>
+<p:sld xmlns:a="http://schemas.openxmlformats.org/drawingml/2006/main" xmlns:r="http://schemas.openxmlformats.org/officeDocument/2006/relationships" xmlns:p="http://schemas.openxmlformats.org/presentationml/2006/main">
+  <p:cSld>
+    <p:spTree>
+      <p:nvGrpSpPr>
+        <p:cNvPr id="1" name=""/>
+        <p:cNvGrpSpPr/>
+        <p:nvPr/>
+      </p:nvGrpSpPr>
+      <p:grpSpPr>
+        <a:xfrm>
+          <a:off x="0" y="0"/>
+          <a:ext cx="0" cy="0"/>
+          <a:chOff x="0" y="0"/>
+          <a:chExt cx="0" cy="0"/>
+        </a:xfrm>
+      </p:grpSpPr>
+      <p:sp>
+        <p:nvSpPr>
           <p:cNvPr id="4" name="标题 3"/>
           <p:cNvSpPr>
             <a:spLocks noGrp="1"/>
@@ -5889,15 +6018,15 @@
           <a:p>
             <a:r>
               <a:rPr lang="zh-CN" altLang="en-US" dirty="0" smtClean="0"/>
-              <a:t>很惭愧，做了一点</a:t>
+              <a:t>很惭愧</a:t>
             </a:r>
             <a:r>
               <a:rPr lang="zh-CN" altLang="en-US" dirty="0" smtClean="0"/>
-              <a:t>微小的</a:t>
+              <a:t>，只做</a:t>
             </a:r>
             <a:r>
               <a:rPr lang="zh-CN" altLang="en-US" dirty="0" smtClean="0"/>
-              <a:t>事情，谢谢大家。</a:t>
+              <a:t>了一点微小的事情，谢谢大家。</a:t>
             </a:r>
             <a:endParaRPr lang="zh-CN" altLang="en-US" dirty="0"/>
           </a:p>

--- a/6_End/另请高明不谦虚.pptx
+++ b/6_End/另请高明不谦虚.pptx
@@ -11,7 +11,8 @@
     <p:sldId id="260" r:id="rId5"/>
     <p:sldId id="261" r:id="rId6"/>
     <p:sldId id="262" r:id="rId7"/>
-    <p:sldId id="258" r:id="rId8"/>
+    <p:sldId id="263" r:id="rId8"/>
+    <p:sldId id="258" r:id="rId9"/>
   </p:sldIdLst>
   <p:sldSz cx="12192000" cy="6858000"/>
   <p:notesSz cx="6858000" cy="9144000"/>
@@ -309,7 +310,7 @@
           <a:p>
             <a:fld id="{5BF8EF1E-03A7-41A2-A93B-B220F4037A46}" type="datetimeFigureOut">
               <a:rPr lang="zh-CN" altLang="en-US" smtClean="0"/>
-              <a:t>2015/12/24</a:t>
+              <a:t>2015/12/30</a:t>
             </a:fld>
             <a:endParaRPr lang="zh-CN" altLang="en-US"/>
           </a:p>
@@ -745,7 +746,7 @@
           <a:p>
             <a:fld id="{5BF8EF1E-03A7-41A2-A93B-B220F4037A46}" type="datetimeFigureOut">
               <a:rPr lang="zh-CN" altLang="en-US" smtClean="0"/>
-              <a:t>2015/12/24</a:t>
+              <a:t>2015/12/30</a:t>
             </a:fld>
             <a:endParaRPr lang="zh-CN" altLang="en-US"/>
           </a:p>
@@ -995,7 +996,7 @@
           <a:p>
             <a:fld id="{5BF8EF1E-03A7-41A2-A93B-B220F4037A46}" type="datetimeFigureOut">
               <a:rPr lang="zh-CN" altLang="en-US" smtClean="0"/>
-              <a:t>2015/12/24</a:t>
+              <a:t>2015/12/30</a:t>
             </a:fld>
             <a:endParaRPr lang="zh-CN" altLang="en-US"/>
           </a:p>
@@ -1303,7 +1304,7 @@
           <a:p>
             <a:fld id="{5BF8EF1E-03A7-41A2-A93B-B220F4037A46}" type="datetimeFigureOut">
               <a:rPr lang="zh-CN" altLang="en-US" smtClean="0"/>
-              <a:t>2015/12/24</a:t>
+              <a:t>2015/12/30</a:t>
             </a:fld>
             <a:endParaRPr lang="zh-CN" altLang="en-US"/>
           </a:p>
@@ -1621,7 +1622,7 @@
           <a:p>
             <a:fld id="{5BF8EF1E-03A7-41A2-A93B-B220F4037A46}" type="datetimeFigureOut">
               <a:rPr lang="zh-CN" altLang="en-US" smtClean="0"/>
-              <a:t>2015/12/24</a:t>
+              <a:t>2015/12/30</a:t>
             </a:fld>
             <a:endParaRPr lang="zh-CN" altLang="en-US"/>
           </a:p>
@@ -1923,7 +1924,7 @@
           <a:p>
             <a:fld id="{5BF8EF1E-03A7-41A2-A93B-B220F4037A46}" type="datetimeFigureOut">
               <a:rPr lang="zh-CN" altLang="en-US" smtClean="0"/>
-              <a:t>2015/12/24</a:t>
+              <a:t>2015/12/30</a:t>
             </a:fld>
             <a:endParaRPr lang="zh-CN" altLang="en-US"/>
           </a:p>
@@ -2290,7 +2291,7 @@
           <a:p>
             <a:fld id="{5BF8EF1E-03A7-41A2-A93B-B220F4037A46}" type="datetimeFigureOut">
               <a:rPr lang="zh-CN" altLang="en-US" smtClean="0"/>
-              <a:t>2015/12/24</a:t>
+              <a:t>2015/12/30</a:t>
             </a:fld>
             <a:endParaRPr lang="zh-CN" altLang="en-US"/>
           </a:p>
@@ -2464,7 +2465,7 @@
           <a:p>
             <a:fld id="{5BF8EF1E-03A7-41A2-A93B-B220F4037A46}" type="datetimeFigureOut">
               <a:rPr lang="zh-CN" altLang="en-US" smtClean="0"/>
-              <a:t>2015/12/24</a:t>
+              <a:t>2015/12/30</a:t>
             </a:fld>
             <a:endParaRPr lang="zh-CN" altLang="en-US"/>
           </a:p>
@@ -2644,7 +2645,7 @@
           <a:p>
             <a:fld id="{5BF8EF1E-03A7-41A2-A93B-B220F4037A46}" type="datetimeFigureOut">
               <a:rPr lang="zh-CN" altLang="en-US" smtClean="0"/>
-              <a:t>2015/12/24</a:t>
+              <a:t>2015/12/30</a:t>
             </a:fld>
             <a:endParaRPr lang="zh-CN" altLang="en-US"/>
           </a:p>
@@ -2814,7 +2815,7 @@
           <a:p>
             <a:fld id="{5BF8EF1E-03A7-41A2-A93B-B220F4037A46}" type="datetimeFigureOut">
               <a:rPr lang="zh-CN" altLang="en-US" smtClean="0"/>
-              <a:t>2015/12/24</a:t>
+              <a:t>2015/12/30</a:t>
             </a:fld>
             <a:endParaRPr lang="zh-CN" altLang="en-US"/>
           </a:p>
@@ -3064,7 +3065,7 @@
           <a:p>
             <a:fld id="{5BF8EF1E-03A7-41A2-A93B-B220F4037A46}" type="datetimeFigureOut">
               <a:rPr lang="zh-CN" altLang="en-US" smtClean="0"/>
-              <a:t>2015/12/24</a:t>
+              <a:t>2015/12/30</a:t>
             </a:fld>
             <a:endParaRPr lang="zh-CN" altLang="en-US"/>
           </a:p>
@@ -3300,7 +3301,7 @@
           <a:p>
             <a:fld id="{5BF8EF1E-03A7-41A2-A93B-B220F4037A46}" type="datetimeFigureOut">
               <a:rPr lang="zh-CN" altLang="en-US" smtClean="0"/>
-              <a:t>2015/12/24</a:t>
+              <a:t>2015/12/30</a:t>
             </a:fld>
             <a:endParaRPr lang="zh-CN" altLang="en-US"/>
           </a:p>
@@ -3682,7 +3683,7 @@
           <a:p>
             <a:fld id="{5BF8EF1E-03A7-41A2-A93B-B220F4037A46}" type="datetimeFigureOut">
               <a:rPr lang="zh-CN" altLang="en-US" smtClean="0"/>
-              <a:t>2015/12/24</a:t>
+              <a:t>2015/12/30</a:t>
             </a:fld>
             <a:endParaRPr lang="zh-CN" altLang="en-US"/>
           </a:p>
@@ -3800,7 +3801,7 @@
           <a:p>
             <a:fld id="{5BF8EF1E-03A7-41A2-A93B-B220F4037A46}" type="datetimeFigureOut">
               <a:rPr lang="zh-CN" altLang="en-US" smtClean="0"/>
-              <a:t>2015/12/24</a:t>
+              <a:t>2015/12/30</a:t>
             </a:fld>
             <a:endParaRPr lang="zh-CN" altLang="en-US"/>
           </a:p>
@@ -3895,7 +3896,7 @@
           <a:p>
             <a:fld id="{5BF8EF1E-03A7-41A2-A93B-B220F4037A46}" type="datetimeFigureOut">
               <a:rPr lang="zh-CN" altLang="en-US" smtClean="0"/>
-              <a:t>2015/12/24</a:t>
+              <a:t>2015/12/30</a:t>
             </a:fld>
             <a:endParaRPr lang="zh-CN" altLang="en-US"/>
           </a:p>
@@ -4150,7 +4151,7 @@
           <a:p>
             <a:fld id="{5BF8EF1E-03A7-41A2-A93B-B220F4037A46}" type="datetimeFigureOut">
               <a:rPr lang="zh-CN" altLang="en-US" smtClean="0"/>
-              <a:t>2015/12/24</a:t>
+              <a:t>2015/12/30</a:t>
             </a:fld>
             <a:endParaRPr lang="zh-CN" altLang="en-US"/>
           </a:p>
@@ -4433,7 +4434,7 @@
           <a:p>
             <a:fld id="{5BF8EF1E-03A7-41A2-A93B-B220F4037A46}" type="datetimeFigureOut">
               <a:rPr lang="zh-CN" altLang="en-US" smtClean="0"/>
-              <a:t>2015/12/24</a:t>
+              <a:t>2015/12/30</a:t>
             </a:fld>
             <a:endParaRPr lang="zh-CN" altLang="en-US"/>
           </a:p>
@@ -4839,7 +4840,7 @@
           <a:p>
             <a:fld id="{5BF8EF1E-03A7-41A2-A93B-B220F4037A46}" type="datetimeFigureOut">
               <a:rPr lang="zh-CN" altLang="en-US" smtClean="0"/>
-              <a:t>2015/12/24</a:t>
+              <a:t>2015/12/30</a:t>
             </a:fld>
             <a:endParaRPr lang="zh-CN" altLang="en-US"/>
           </a:p>
@@ -6003,6 +6004,82 @@
       </p:grpSpPr>
       <p:sp>
         <p:nvSpPr>
+          <p:cNvPr id="2" name="标题 1"/>
+          <p:cNvSpPr>
+            <a:spLocks noGrp="1"/>
+          </p:cNvSpPr>
+          <p:nvPr>
+            <p:ph type="title"/>
+          </p:nvPr>
+        </p:nvSpPr>
+        <p:spPr/>
+        <p:txBody>
+          <a:bodyPr/>
+          <a:lstStyle/>
+          <a:p>
+            <a:r>
+              <a:rPr lang="zh-CN" altLang="en-US" dirty="0" smtClean="0"/>
+              <a:t>至于功能</a:t>
+            </a:r>
+            <a:endParaRPr lang="zh-CN" altLang="en-US" dirty="0"/>
+          </a:p>
+        </p:txBody>
+      </p:sp>
+      <p:sp>
+        <p:nvSpPr>
+          <p:cNvPr id="3" name="内容占位符 2"/>
+          <p:cNvSpPr>
+            <a:spLocks noGrp="1"/>
+          </p:cNvSpPr>
+          <p:nvPr>
+            <p:ph idx="1"/>
+          </p:nvPr>
+        </p:nvSpPr>
+        <p:spPr/>
+        <p:txBody>
+          <a:bodyPr/>
+          <a:lstStyle/>
+          <a:p>
+            <a:r>
+              <a:rPr lang="zh-CN" altLang="en-US" dirty="0" smtClean="0"/>
+              <a:t>并没有什么特别的，只是尽力做了能做的，该实现的都实现。实在也不是谦虚。</a:t>
+            </a:r>
+            <a:endParaRPr lang="zh-CN" altLang="en-US" dirty="0"/>
+          </a:p>
+        </p:txBody>
+      </p:sp>
+    </p:spTree>
+    <p:extLst>
+      <p:ext uri="{BB962C8B-B14F-4D97-AF65-F5344CB8AC3E}">
+        <p14:creationId xmlns:p14="http://schemas.microsoft.com/office/powerpoint/2010/main" val="2182376219"/>
+      </p:ext>
+    </p:extLst>
+  </p:cSld>
+  <p:clrMapOvr>
+    <a:masterClrMapping/>
+  </p:clrMapOvr>
+</p:sld>
+</file>
+
+<file path=ppt/slides/slide8.xml><?xml version="1.0" encoding="utf-8"?>
+<p:sld xmlns:a="http://schemas.openxmlformats.org/drawingml/2006/main" xmlns:r="http://schemas.openxmlformats.org/officeDocument/2006/relationships" xmlns:p="http://schemas.openxmlformats.org/presentationml/2006/main">
+  <p:cSld>
+    <p:spTree>
+      <p:nvGrpSpPr>
+        <p:cNvPr id="1" name=""/>
+        <p:cNvGrpSpPr/>
+        <p:nvPr/>
+      </p:nvGrpSpPr>
+      <p:grpSpPr>
+        <a:xfrm>
+          <a:off x="0" y="0"/>
+          <a:ext cx="0" cy="0"/>
+          <a:chOff x="0" y="0"/>
+          <a:chExt cx="0" cy="0"/>
+        </a:xfrm>
+      </p:grpSpPr>
+      <p:sp>
+        <p:nvSpPr>
           <p:cNvPr id="4" name="标题 3"/>
           <p:cNvSpPr>
             <a:spLocks noGrp="1"/>
@@ -6018,15 +6095,7 @@
           <a:p>
             <a:r>
               <a:rPr lang="zh-CN" altLang="en-US" dirty="0" smtClean="0"/>
-              <a:t>很惭愧</a:t>
-            </a:r>
-            <a:r>
-              <a:rPr lang="zh-CN" altLang="en-US" dirty="0" smtClean="0"/>
-              <a:t>，只做</a:t>
-            </a:r>
-            <a:r>
-              <a:rPr lang="zh-CN" altLang="en-US" dirty="0" smtClean="0"/>
-              <a:t>了一点微小的事情，谢谢大家。</a:t>
+              <a:t>很惭愧，只做了一点微小的事情，谢谢大家。</a:t>
             </a:r>
             <a:endParaRPr lang="zh-CN" altLang="en-US" dirty="0"/>
           </a:p>
